--- a/Logo/mainLogo/logo_make.pptx
+++ b/Logo/mainLogo/logo_make.pptx
@@ -5,11 +5,12 @@
     <p:sldMasterId id="2147483648" r:id="rId1"/>
   </p:sldMasterIdLst>
   <p:notesMasterIdLst>
-    <p:notesMasterId r:id="rId4"/>
+    <p:notesMasterId r:id="rId5"/>
   </p:notesMasterIdLst>
   <p:sldIdLst>
-    <p:sldId id="256" r:id="rId2"/>
-    <p:sldId id="257" r:id="rId3"/>
+    <p:sldId id="257" r:id="rId2"/>
+    <p:sldId id="258" r:id="rId3"/>
+    <p:sldId id="256" r:id="rId4"/>
   </p:sldIdLst>
   <p:sldSz cx="12192000" cy="6858000"/>
   <p:notesSz cx="6858000" cy="9144000"/>
@@ -198,7 +199,7 @@
           <a:p>
             <a:fld id="{87C87130-7686-4943-93B1-6176AF328260}" type="datetimeFigureOut">
               <a:rPr kumimoji="1" lang="ko-KR" altLang="en-US" smtClean="0"/>
-              <a:t>2024. 1. 27.</a:t>
+              <a:t>2024. 2. 7.</a:t>
             </a:fld>
             <a:endParaRPr kumimoji="1" lang="ko-KR" altLang="en-US"/>
           </a:p>
@@ -465,6 +466,90 @@
 </p:notesMaster>
 </file>
 
+<file path=ppt/notesSlides/notesSlide1.xml><?xml version="1.0" encoding="utf-8"?>
+<p:notes xmlns:a="http://schemas.openxmlformats.org/drawingml/2006/main" xmlns:r="http://schemas.openxmlformats.org/officeDocument/2006/relationships" xmlns:p="http://schemas.openxmlformats.org/presentationml/2006/main">
+  <p:cSld>
+    <p:spTree>
+      <p:nvGrpSpPr>
+        <p:cNvPr id="1" name=""/>
+        <p:cNvGrpSpPr/>
+        <p:nvPr/>
+      </p:nvGrpSpPr>
+      <p:grpSpPr>
+        <a:xfrm>
+          <a:off x="0" y="0"/>
+          <a:ext cx="0" cy="0"/>
+          <a:chOff x="0" y="0"/>
+          <a:chExt cx="0" cy="0"/>
+        </a:xfrm>
+      </p:grpSpPr>
+      <p:sp>
+        <p:nvSpPr>
+          <p:cNvPr id="2" name="슬라이드 이미지 개체 틀 1"/>
+          <p:cNvSpPr>
+            <a:spLocks noGrp="1" noRot="1" noChangeAspect="1"/>
+          </p:cNvSpPr>
+          <p:nvPr>
+            <p:ph type="sldImg"/>
+          </p:nvPr>
+        </p:nvSpPr>
+        <p:spPr/>
+      </p:sp>
+      <p:sp>
+        <p:nvSpPr>
+          <p:cNvPr id="3" name="슬라이드 노트 개체 틀 2"/>
+          <p:cNvSpPr>
+            <a:spLocks noGrp="1"/>
+          </p:cNvSpPr>
+          <p:nvPr>
+            <p:ph type="body" idx="1"/>
+          </p:nvPr>
+        </p:nvSpPr>
+        <p:spPr/>
+        <p:txBody>
+          <a:bodyPr/>
+          <a:lstStyle/>
+          <a:p>
+            <a:endParaRPr kumimoji="1" lang="ko-KR" altLang="en-US" dirty="0"/>
+          </a:p>
+        </p:txBody>
+      </p:sp>
+      <p:sp>
+        <p:nvSpPr>
+          <p:cNvPr id="4" name="슬라이드 번호 개체 틀 3"/>
+          <p:cNvSpPr>
+            <a:spLocks noGrp="1"/>
+          </p:cNvSpPr>
+          <p:nvPr>
+            <p:ph type="sldNum" sz="quarter" idx="5"/>
+          </p:nvPr>
+        </p:nvSpPr>
+        <p:spPr/>
+        <p:txBody>
+          <a:bodyPr/>
+          <a:lstStyle/>
+          <a:p>
+            <a:fld id="{C2FD7AEE-BE34-C249-98E0-60C638BE5668}" type="slidenum">
+              <a:rPr kumimoji="1" lang="ko-KR" altLang="en-US" smtClean="0"/>
+              <a:t>3</a:t>
+            </a:fld>
+            <a:endParaRPr kumimoji="1" lang="ko-KR" altLang="en-US"/>
+          </a:p>
+        </p:txBody>
+      </p:sp>
+    </p:spTree>
+    <p:extLst>
+      <p:ext uri="{BB962C8B-B14F-4D97-AF65-F5344CB8AC3E}">
+        <p14:creationId xmlns:p14="http://schemas.microsoft.com/office/powerpoint/2010/main" val="3595409750"/>
+      </p:ext>
+    </p:extLst>
+  </p:cSld>
+  <p:clrMapOvr>
+    <a:masterClrMapping/>
+  </p:clrMapOvr>
+</p:notes>
+</file>
+
 <file path=ppt/slideLayouts/slideLayout1.xml><?xml version="1.0" encoding="utf-8"?>
 <p:sldLayout xmlns:a="http://schemas.openxmlformats.org/drawingml/2006/main" xmlns:r="http://schemas.openxmlformats.org/officeDocument/2006/relationships" xmlns:p="http://schemas.openxmlformats.org/presentationml/2006/main" type="title" preserve="1">
   <p:cSld name="제목 슬라이드">
@@ -612,7 +697,7 @@
           <a:p>
             <a:fld id="{07EB6BCC-795B-BD4E-AD61-7AA844AD10E0}" type="datetimeFigureOut">
               <a:rPr kumimoji="1" lang="ko-KR" altLang="en-US" smtClean="0"/>
-              <a:t>2024. 1. 27.</a:t>
+              <a:t>2024. 2. 7.</a:t>
             </a:fld>
             <a:endParaRPr kumimoji="1" lang="ko-KR" altLang="en-US"/>
           </a:p>
@@ -810,7 +895,7 @@
           <a:p>
             <a:fld id="{07EB6BCC-795B-BD4E-AD61-7AA844AD10E0}" type="datetimeFigureOut">
               <a:rPr kumimoji="1" lang="ko-KR" altLang="en-US" smtClean="0"/>
-              <a:t>2024. 1. 27.</a:t>
+              <a:t>2024. 2. 7.</a:t>
             </a:fld>
             <a:endParaRPr kumimoji="1" lang="ko-KR" altLang="en-US"/>
           </a:p>
@@ -1018,7 +1103,7 @@
           <a:p>
             <a:fld id="{07EB6BCC-795B-BD4E-AD61-7AA844AD10E0}" type="datetimeFigureOut">
               <a:rPr kumimoji="1" lang="ko-KR" altLang="en-US" smtClean="0"/>
-              <a:t>2024. 1. 27.</a:t>
+              <a:t>2024. 2. 7.</a:t>
             </a:fld>
             <a:endParaRPr kumimoji="1" lang="ko-KR" altLang="en-US"/>
           </a:p>
@@ -1216,7 +1301,7 @@
           <a:p>
             <a:fld id="{07EB6BCC-795B-BD4E-AD61-7AA844AD10E0}" type="datetimeFigureOut">
               <a:rPr kumimoji="1" lang="ko-KR" altLang="en-US" smtClean="0"/>
-              <a:t>2024. 1. 27.</a:t>
+              <a:t>2024. 2. 7.</a:t>
             </a:fld>
             <a:endParaRPr kumimoji="1" lang="ko-KR" altLang="en-US"/>
           </a:p>
@@ -1491,7 +1576,7 @@
           <a:p>
             <a:fld id="{07EB6BCC-795B-BD4E-AD61-7AA844AD10E0}" type="datetimeFigureOut">
               <a:rPr kumimoji="1" lang="ko-KR" altLang="en-US" smtClean="0"/>
-              <a:t>2024. 1. 27.</a:t>
+              <a:t>2024. 2. 7.</a:t>
             </a:fld>
             <a:endParaRPr kumimoji="1" lang="ko-KR" altLang="en-US"/>
           </a:p>
@@ -1756,7 +1841,7 @@
           <a:p>
             <a:fld id="{07EB6BCC-795B-BD4E-AD61-7AA844AD10E0}" type="datetimeFigureOut">
               <a:rPr kumimoji="1" lang="ko-KR" altLang="en-US" smtClean="0"/>
-              <a:t>2024. 1. 27.</a:t>
+              <a:t>2024. 2. 7.</a:t>
             </a:fld>
             <a:endParaRPr kumimoji="1" lang="ko-KR" altLang="en-US"/>
           </a:p>
@@ -2168,7 +2253,7 @@
           <a:p>
             <a:fld id="{07EB6BCC-795B-BD4E-AD61-7AA844AD10E0}" type="datetimeFigureOut">
               <a:rPr kumimoji="1" lang="ko-KR" altLang="en-US" smtClean="0"/>
-              <a:t>2024. 1. 27.</a:t>
+              <a:t>2024. 2. 7.</a:t>
             </a:fld>
             <a:endParaRPr kumimoji="1" lang="ko-KR" altLang="en-US"/>
           </a:p>
@@ -2309,7 +2394,7 @@
           <a:p>
             <a:fld id="{07EB6BCC-795B-BD4E-AD61-7AA844AD10E0}" type="datetimeFigureOut">
               <a:rPr kumimoji="1" lang="ko-KR" altLang="en-US" smtClean="0"/>
-              <a:t>2024. 1. 27.</a:t>
+              <a:t>2024. 2. 7.</a:t>
             </a:fld>
             <a:endParaRPr kumimoji="1" lang="ko-KR" altLang="en-US"/>
           </a:p>
@@ -2422,7 +2507,7 @@
           <a:p>
             <a:fld id="{07EB6BCC-795B-BD4E-AD61-7AA844AD10E0}" type="datetimeFigureOut">
               <a:rPr kumimoji="1" lang="ko-KR" altLang="en-US" smtClean="0"/>
-              <a:t>2024. 1. 27.</a:t>
+              <a:t>2024. 2. 7.</a:t>
             </a:fld>
             <a:endParaRPr kumimoji="1" lang="ko-KR" altLang="en-US"/>
           </a:p>
@@ -2733,7 +2818,7 @@
           <a:p>
             <a:fld id="{07EB6BCC-795B-BD4E-AD61-7AA844AD10E0}" type="datetimeFigureOut">
               <a:rPr kumimoji="1" lang="ko-KR" altLang="en-US" smtClean="0"/>
-              <a:t>2024. 1. 27.</a:t>
+              <a:t>2024. 2. 7.</a:t>
             </a:fld>
             <a:endParaRPr kumimoji="1" lang="ko-KR" altLang="en-US"/>
           </a:p>
@@ -3021,7 +3106,7 @@
           <a:p>
             <a:fld id="{07EB6BCC-795B-BD4E-AD61-7AA844AD10E0}" type="datetimeFigureOut">
               <a:rPr kumimoji="1" lang="ko-KR" altLang="en-US" smtClean="0"/>
-              <a:t>2024. 1. 27.</a:t>
+              <a:t>2024. 2. 7.</a:t>
             </a:fld>
             <a:endParaRPr kumimoji="1" lang="ko-KR" altLang="en-US"/>
           </a:p>
@@ -3262,7 +3347,7 @@
           <a:p>
             <a:fld id="{07EB6BCC-795B-BD4E-AD61-7AA844AD10E0}" type="datetimeFigureOut">
               <a:rPr kumimoji="1" lang="ko-KR" altLang="en-US" smtClean="0"/>
-              <a:t>2024. 1. 27.</a:t>
+              <a:t>2024. 2. 7.</a:t>
             </a:fld>
             <a:endParaRPr kumimoji="1" lang="ko-KR" altLang="en-US"/>
           </a:p>
@@ -3667,326 +3752,6 @@
   <p:cSld>
     <p:spTree>
       <p:nvGrpSpPr>
-        <p:cNvPr id="1" name=""/>
-        <p:cNvGrpSpPr/>
-        <p:nvPr/>
-      </p:nvGrpSpPr>
-      <p:grpSpPr>
-        <a:xfrm>
-          <a:off x="0" y="0"/>
-          <a:ext cx="0" cy="0"/>
-          <a:chOff x="0" y="0"/>
-          <a:chExt cx="0" cy="0"/>
-        </a:xfrm>
-      </p:grpSpPr>
-      <p:grpSp>
-        <p:nvGrpSpPr>
-          <p:cNvPr id="21" name="그룹 20">
-            <a:extLst>
-              <a:ext uri="{FF2B5EF4-FFF2-40B4-BE49-F238E27FC236}">
-                <a16:creationId xmlns:a16="http://schemas.microsoft.com/office/drawing/2014/main" id="{B7BD9D06-C918-BC8F-6B1A-550B05A05925}"/>
-              </a:ext>
-            </a:extLst>
-          </p:cNvPr>
-          <p:cNvGrpSpPr/>
-          <p:nvPr/>
-        </p:nvGrpSpPr>
-        <p:grpSpPr>
-          <a:xfrm>
-            <a:off x="847060" y="915036"/>
-            <a:ext cx="10497879" cy="4220883"/>
-            <a:chOff x="715924" y="1063892"/>
-            <a:chExt cx="10497879" cy="4220883"/>
-          </a:xfrm>
-        </p:grpSpPr>
-        <p:sp>
-          <p:nvSpPr>
-            <p:cNvPr id="9" name="직사각형 8">
-              <a:extLst>
-                <a:ext uri="{FF2B5EF4-FFF2-40B4-BE49-F238E27FC236}">
-                  <a16:creationId xmlns:a16="http://schemas.microsoft.com/office/drawing/2014/main" id="{0636043E-DBFE-C4A0-D896-C774BE95E00F}"/>
-                </a:ext>
-              </a:extLst>
-            </p:cNvPr>
-            <p:cNvSpPr/>
-            <p:nvPr/>
-          </p:nvSpPr>
-          <p:spPr>
-            <a:xfrm>
-              <a:off x="1969579" y="2725478"/>
-              <a:ext cx="8797655" cy="2547809"/>
-            </a:xfrm>
-            <a:prstGeom prst="rect">
-              <a:avLst/>
-            </a:prstGeom>
-            <a:solidFill>
-              <a:schemeClr val="bg1"/>
-            </a:solidFill>
-            <a:ln w="28575">
-              <a:solidFill>
-                <a:schemeClr val="tx1"/>
-              </a:solidFill>
-            </a:ln>
-          </p:spPr>
-          <p:style>
-            <a:lnRef idx="2">
-              <a:schemeClr val="accent1">
-                <a:shade val="15000"/>
-              </a:schemeClr>
-            </a:lnRef>
-            <a:fillRef idx="1">
-              <a:schemeClr val="accent1"/>
-            </a:fillRef>
-            <a:effectRef idx="0">
-              <a:schemeClr val="accent1"/>
-            </a:effectRef>
-            <a:fontRef idx="minor">
-              <a:schemeClr val="lt1"/>
-            </a:fontRef>
-          </p:style>
-          <p:txBody>
-            <a:bodyPr rtlCol="0" anchor="ctr"/>
-            <a:lstStyle/>
-            <a:p>
-              <a:pPr algn="ctr"/>
-              <a:endParaRPr kumimoji="1" lang="ko-KR" altLang="en-US" dirty="0"/>
-            </a:p>
-          </p:txBody>
-        </p:sp>
-        <p:sp>
-          <p:nvSpPr>
-            <p:cNvPr id="8" name="직사각형 7">
-              <a:extLst>
-                <a:ext uri="{FF2B5EF4-FFF2-40B4-BE49-F238E27FC236}">
-                  <a16:creationId xmlns:a16="http://schemas.microsoft.com/office/drawing/2014/main" id="{CED992D9-2A97-1E5E-3093-352412CEEB0B}"/>
-                </a:ext>
-              </a:extLst>
-            </p:cNvPr>
-            <p:cNvSpPr/>
-            <p:nvPr/>
-          </p:nvSpPr>
-          <p:spPr>
-            <a:xfrm>
-              <a:off x="1969581" y="4823110"/>
-              <a:ext cx="8797655" cy="461665"/>
-            </a:xfrm>
-            <a:prstGeom prst="rect">
-              <a:avLst/>
-            </a:prstGeom>
-          </p:spPr>
-          <p:style>
-            <a:lnRef idx="2">
-              <a:schemeClr val="dk1">
-                <a:shade val="15000"/>
-              </a:schemeClr>
-            </a:lnRef>
-            <a:fillRef idx="1">
-              <a:schemeClr val="dk1"/>
-            </a:fillRef>
-            <a:effectRef idx="0">
-              <a:schemeClr val="dk1"/>
-            </a:effectRef>
-            <a:fontRef idx="minor">
-              <a:schemeClr val="lt1"/>
-            </a:fontRef>
-          </p:style>
-          <p:txBody>
-            <a:bodyPr rtlCol="0" anchor="ctr"/>
-            <a:lstStyle/>
-            <a:p>
-              <a:pPr algn="ctr"/>
-              <a:endParaRPr kumimoji="1" lang="ko-KR" altLang="en-US" dirty="0"/>
-            </a:p>
-          </p:txBody>
-        </p:sp>
-        <p:sp>
-          <p:nvSpPr>
-            <p:cNvPr id="10" name="TextBox 9">
-              <a:extLst>
-                <a:ext uri="{FF2B5EF4-FFF2-40B4-BE49-F238E27FC236}">
-                  <a16:creationId xmlns:a16="http://schemas.microsoft.com/office/drawing/2014/main" id="{0B90175E-2469-0C3D-CA4D-F875FFA52AB5}"/>
-                </a:ext>
-              </a:extLst>
-            </p:cNvPr>
-            <p:cNvSpPr txBox="1"/>
-            <p:nvPr/>
-          </p:nvSpPr>
-          <p:spPr>
-            <a:xfrm>
-              <a:off x="1969580" y="4811623"/>
-              <a:ext cx="9244223" cy="461665"/>
-            </a:xfrm>
-            <a:prstGeom prst="rect">
-              <a:avLst/>
-            </a:prstGeom>
-            <a:noFill/>
-          </p:spPr>
-          <p:txBody>
-            <a:bodyPr wrap="square" rtlCol="0">
-              <a:spAutoFit/>
-            </a:bodyPr>
-            <a:lstStyle/>
-            <a:p>
-              <a:r>
-                <a:rPr kumimoji="1" lang="en-US" altLang="ko-KR" sz="2400" spc="300" dirty="0">
-                  <a:solidFill>
-                    <a:schemeClr val="bg1"/>
-                  </a:solidFill>
-                  <a:latin typeface="Partial Sans KR" pitchFamily="2" charset="0"/>
-                  <a:ea typeface="Partial Sans KR" pitchFamily="2" charset="0"/>
-                </a:rPr>
-                <a:t>WELBING LIFE WITH EVERY WORK OUT</a:t>
-              </a:r>
-              <a:endParaRPr kumimoji="1" lang="ko-KR" altLang="en-US" sz="2400" spc="300" dirty="0">
-                <a:solidFill>
-                  <a:schemeClr val="bg1"/>
-                </a:solidFill>
-                <a:latin typeface="Partial Sans KR" pitchFamily="2" charset="0"/>
-                <a:ea typeface="Partial Sans KR" pitchFamily="2" charset="0"/>
-              </a:endParaRPr>
-            </a:p>
-          </p:txBody>
-        </p:sp>
-        <p:pic>
-          <p:nvPicPr>
-            <p:cNvPr id="17" name="그림 16">
-              <a:extLst>
-                <a:ext uri="{FF2B5EF4-FFF2-40B4-BE49-F238E27FC236}">
-                  <a16:creationId xmlns:a16="http://schemas.microsoft.com/office/drawing/2014/main" id="{1DA83A29-FCFD-298C-42CF-221458A0B81A}"/>
-                </a:ext>
-              </a:extLst>
-            </p:cNvPr>
-            <p:cNvPicPr>
-              <a:picLocks noChangeAspect="1"/>
-            </p:cNvPicPr>
-            <p:nvPr/>
-          </p:nvPicPr>
-          <p:blipFill>
-            <a:blip r:embed="rId2"/>
-            <a:stretch>
-              <a:fillRect/>
-            </a:stretch>
-          </p:blipFill>
-          <p:spPr>
-            <a:xfrm>
-              <a:off x="715924" y="1063892"/>
-              <a:ext cx="3050082" cy="4075108"/>
-            </a:xfrm>
-            <a:prstGeom prst="rect">
-              <a:avLst/>
-            </a:prstGeom>
-          </p:spPr>
-        </p:pic>
-        <p:sp>
-          <p:nvSpPr>
-            <p:cNvPr id="18" name="TextBox 17">
-              <a:extLst>
-                <a:ext uri="{FF2B5EF4-FFF2-40B4-BE49-F238E27FC236}">
-                  <a16:creationId xmlns:a16="http://schemas.microsoft.com/office/drawing/2014/main" id="{47DA606D-C82F-C670-C745-402E3FBA8ED1}"/>
-                </a:ext>
-              </a:extLst>
-            </p:cNvPr>
-            <p:cNvSpPr txBox="1"/>
-            <p:nvPr/>
-          </p:nvSpPr>
-          <p:spPr>
-            <a:xfrm>
-              <a:off x="3240816" y="3774688"/>
-              <a:ext cx="7561857" cy="1015663"/>
-            </a:xfrm>
-            <a:prstGeom prst="rect">
-              <a:avLst/>
-            </a:prstGeom>
-            <a:noFill/>
-          </p:spPr>
-          <p:txBody>
-            <a:bodyPr vert="horz" wrap="square" rtlCol="0">
-              <a:spAutoFit/>
-            </a:bodyPr>
-            <a:lstStyle/>
-            <a:p>
-              <a:r>
-                <a:rPr kumimoji="1" lang="en-US" altLang="ko-KR" sz="5700" spc="300" normalizeH="1" dirty="0">
-                  <a:latin typeface="Partial Sans KR" pitchFamily="2" charset="0"/>
-                  <a:ea typeface="Partial Sans KR" pitchFamily="2" charset="0"/>
-                </a:rPr>
-                <a:t>3WORK</a:t>
-              </a:r>
-              <a:r>
-                <a:rPr kumimoji="1" lang="en-US" altLang="ko-KR" sz="5800" spc="300" normalizeH="1" dirty="0">
-                  <a:latin typeface="Partial Sans KR" pitchFamily="2" charset="0"/>
-                  <a:ea typeface="Partial Sans KR" pitchFamily="2" charset="0"/>
-                </a:rPr>
-                <a:t> : WWW</a:t>
-              </a:r>
-              <a:endParaRPr kumimoji="1" lang="ko-KR" altLang="en-US" sz="5800" spc="300" normalizeH="1" dirty="0">
-                <a:latin typeface="Partial Sans KR" pitchFamily="2" charset="0"/>
-                <a:ea typeface="Partial Sans KR" pitchFamily="2" charset="0"/>
-              </a:endParaRPr>
-            </a:p>
-          </p:txBody>
-        </p:sp>
-        <p:sp>
-          <p:nvSpPr>
-            <p:cNvPr id="20" name="TextBox 19">
-              <a:extLst>
-                <a:ext uri="{FF2B5EF4-FFF2-40B4-BE49-F238E27FC236}">
-                  <a16:creationId xmlns:a16="http://schemas.microsoft.com/office/drawing/2014/main" id="{DD10F679-0867-F5DA-4C22-4F59FBFA0CE5}"/>
-                </a:ext>
-              </a:extLst>
-            </p:cNvPr>
-            <p:cNvSpPr txBox="1"/>
-            <p:nvPr/>
-          </p:nvSpPr>
-          <p:spPr>
-            <a:xfrm>
-              <a:off x="3240816" y="2891926"/>
-              <a:ext cx="7561857" cy="969496"/>
-            </a:xfrm>
-            <a:prstGeom prst="rect">
-              <a:avLst/>
-            </a:prstGeom>
-            <a:noFill/>
-          </p:spPr>
-          <p:txBody>
-            <a:bodyPr vert="horz" wrap="square" rtlCol="0">
-              <a:spAutoFit/>
-            </a:bodyPr>
-            <a:lstStyle/>
-            <a:p>
-              <a:r>
-                <a:rPr kumimoji="1" lang="en-US" altLang="ko-KR" sz="5700" spc="300" normalizeH="1" dirty="0">
-                  <a:latin typeface="Partial Sans KR" pitchFamily="2" charset="0"/>
-                  <a:ea typeface="Partial Sans KR" pitchFamily="2" charset="0"/>
-                </a:rPr>
-                <a:t>3WORK : WWW</a:t>
-              </a:r>
-              <a:endParaRPr kumimoji="1" lang="ko-KR" altLang="en-US" sz="5700" spc="300" normalizeH="1" dirty="0">
-                <a:latin typeface="Partial Sans KR" pitchFamily="2" charset="0"/>
-                <a:ea typeface="Partial Sans KR" pitchFamily="2" charset="0"/>
-              </a:endParaRPr>
-            </a:p>
-          </p:txBody>
-        </p:sp>
-      </p:grpSp>
-    </p:spTree>
-    <p:extLst>
-      <p:ext uri="{BB962C8B-B14F-4D97-AF65-F5344CB8AC3E}">
-        <p14:creationId xmlns:p14="http://schemas.microsoft.com/office/powerpoint/2010/main" val="310666171"/>
-      </p:ext>
-    </p:extLst>
-  </p:cSld>
-  <p:clrMapOvr>
-    <a:masterClrMapping/>
-  </p:clrMapOvr>
-</p:sld>
-</file>
-
-<file path=ppt/slides/slide2.xml><?xml version="1.0" encoding="utf-8"?>
-<p:sld xmlns:a="http://schemas.openxmlformats.org/drawingml/2006/main" xmlns:r="http://schemas.openxmlformats.org/officeDocument/2006/relationships" xmlns:p="http://schemas.openxmlformats.org/presentationml/2006/main">
-  <p:cSld>
-    <p:spTree>
-      <p:nvGrpSpPr>
         <p:cNvPr id="1" name="">
           <a:extLst>
             <a:ext uri="{FF2B5EF4-FFF2-40B4-BE49-F238E27FC236}">
@@ -4292,6 +4057,854 @@
     <p:extLst>
       <p:ext uri="{BB962C8B-B14F-4D97-AF65-F5344CB8AC3E}">
         <p14:creationId xmlns:p14="http://schemas.microsoft.com/office/powerpoint/2010/main" val="2143635573"/>
+      </p:ext>
+    </p:extLst>
+  </p:cSld>
+  <p:clrMapOvr>
+    <a:masterClrMapping/>
+  </p:clrMapOvr>
+</p:sld>
+</file>
+
+<file path=ppt/slides/slide2.xml><?xml version="1.0" encoding="utf-8"?>
+<p:sld xmlns:a="http://schemas.openxmlformats.org/drawingml/2006/main" xmlns:r="http://schemas.openxmlformats.org/officeDocument/2006/relationships" xmlns:p="http://schemas.openxmlformats.org/presentationml/2006/main">
+  <p:cSld>
+    <p:spTree>
+      <p:nvGrpSpPr>
+        <p:cNvPr id="1" name="">
+          <a:extLst>
+            <a:ext uri="{FF2B5EF4-FFF2-40B4-BE49-F238E27FC236}">
+              <a16:creationId xmlns:a16="http://schemas.microsoft.com/office/drawing/2014/main" id="{38645174-D8E0-E90F-3A0B-3EDD028F86D9}"/>
+            </a:ext>
+          </a:extLst>
+        </p:cNvPr>
+        <p:cNvGrpSpPr/>
+        <p:nvPr/>
+      </p:nvGrpSpPr>
+      <p:grpSpPr>
+        <a:xfrm>
+          <a:off x="0" y="0"/>
+          <a:ext cx="0" cy="0"/>
+          <a:chOff x="0" y="0"/>
+          <a:chExt cx="0" cy="0"/>
+        </a:xfrm>
+      </p:grpSpPr>
+      <p:grpSp>
+        <p:nvGrpSpPr>
+          <p:cNvPr id="2" name="그룹 1">
+            <a:extLst>
+              <a:ext uri="{FF2B5EF4-FFF2-40B4-BE49-F238E27FC236}">
+                <a16:creationId xmlns:a16="http://schemas.microsoft.com/office/drawing/2014/main" id="{78659766-637E-6625-16B0-BF9ADF7BC8F3}"/>
+              </a:ext>
+            </a:extLst>
+          </p:cNvPr>
+          <p:cNvGrpSpPr/>
+          <p:nvPr/>
+        </p:nvGrpSpPr>
+        <p:grpSpPr>
+          <a:xfrm>
+            <a:off x="483476" y="506084"/>
+            <a:ext cx="9322530" cy="2559297"/>
+            <a:chOff x="3042988" y="2725478"/>
+            <a:chExt cx="9322530" cy="2559297"/>
+          </a:xfrm>
+        </p:grpSpPr>
+        <p:sp>
+          <p:nvSpPr>
+            <p:cNvPr id="3" name="직사각형 2">
+              <a:extLst>
+                <a:ext uri="{FF2B5EF4-FFF2-40B4-BE49-F238E27FC236}">
+                  <a16:creationId xmlns:a16="http://schemas.microsoft.com/office/drawing/2014/main" id="{594955B0-CD51-EBA2-7C2C-C35B4B577B92}"/>
+                </a:ext>
+              </a:extLst>
+            </p:cNvPr>
+            <p:cNvSpPr/>
+            <p:nvPr/>
+          </p:nvSpPr>
+          <p:spPr>
+            <a:xfrm>
+              <a:off x="3042988" y="2725478"/>
+              <a:ext cx="7724246" cy="2547809"/>
+            </a:xfrm>
+            <a:prstGeom prst="rect">
+              <a:avLst/>
+            </a:prstGeom>
+            <a:solidFill>
+              <a:schemeClr val="bg1"/>
+            </a:solidFill>
+            <a:ln w="28575">
+              <a:solidFill>
+                <a:schemeClr val="tx1"/>
+              </a:solidFill>
+            </a:ln>
+          </p:spPr>
+          <p:style>
+            <a:lnRef idx="2">
+              <a:schemeClr val="accent1">
+                <a:shade val="15000"/>
+              </a:schemeClr>
+            </a:lnRef>
+            <a:fillRef idx="1">
+              <a:schemeClr val="accent1"/>
+            </a:fillRef>
+            <a:effectRef idx="0">
+              <a:schemeClr val="accent1"/>
+            </a:effectRef>
+            <a:fontRef idx="minor">
+              <a:schemeClr val="lt1"/>
+            </a:fontRef>
+          </p:style>
+          <p:txBody>
+            <a:bodyPr rtlCol="0" anchor="ctr"/>
+            <a:lstStyle/>
+            <a:p>
+              <a:pPr algn="ctr"/>
+              <a:endParaRPr kumimoji="1" lang="ko-KR" altLang="en-US" dirty="0"/>
+            </a:p>
+          </p:txBody>
+        </p:sp>
+        <p:sp>
+          <p:nvSpPr>
+            <p:cNvPr id="4" name="직사각형 3">
+              <a:extLst>
+                <a:ext uri="{FF2B5EF4-FFF2-40B4-BE49-F238E27FC236}">
+                  <a16:creationId xmlns:a16="http://schemas.microsoft.com/office/drawing/2014/main" id="{0EB311C4-5822-7020-8CB7-42272976B776}"/>
+                </a:ext>
+              </a:extLst>
+            </p:cNvPr>
+            <p:cNvSpPr/>
+            <p:nvPr/>
+          </p:nvSpPr>
+          <p:spPr>
+            <a:xfrm>
+              <a:off x="3042988" y="4823110"/>
+              <a:ext cx="7724248" cy="461665"/>
+            </a:xfrm>
+            <a:prstGeom prst="rect">
+              <a:avLst/>
+            </a:prstGeom>
+          </p:spPr>
+          <p:style>
+            <a:lnRef idx="2">
+              <a:schemeClr val="dk1">
+                <a:shade val="15000"/>
+              </a:schemeClr>
+            </a:lnRef>
+            <a:fillRef idx="1">
+              <a:schemeClr val="dk1"/>
+            </a:fillRef>
+            <a:effectRef idx="0">
+              <a:schemeClr val="dk1"/>
+            </a:effectRef>
+            <a:fontRef idx="minor">
+              <a:schemeClr val="lt1"/>
+            </a:fontRef>
+          </p:style>
+          <p:txBody>
+            <a:bodyPr rtlCol="0" anchor="ctr"/>
+            <a:lstStyle/>
+            <a:p>
+              <a:pPr algn="ctr"/>
+              <a:endParaRPr kumimoji="1" lang="ko-KR" altLang="en-US" dirty="0"/>
+            </a:p>
+          </p:txBody>
+        </p:sp>
+        <p:sp>
+          <p:nvSpPr>
+            <p:cNvPr id="5" name="TextBox 4">
+              <a:extLst>
+                <a:ext uri="{FF2B5EF4-FFF2-40B4-BE49-F238E27FC236}">
+                  <a16:creationId xmlns:a16="http://schemas.microsoft.com/office/drawing/2014/main" id="{9BE9ED46-D634-CC6B-83BC-72C123464897}"/>
+                </a:ext>
+              </a:extLst>
+            </p:cNvPr>
+            <p:cNvSpPr txBox="1"/>
+            <p:nvPr/>
+          </p:nvSpPr>
+          <p:spPr>
+            <a:xfrm>
+              <a:off x="3121295" y="4853887"/>
+              <a:ext cx="9244223" cy="400110"/>
+            </a:xfrm>
+            <a:prstGeom prst="rect">
+              <a:avLst/>
+            </a:prstGeom>
+            <a:noFill/>
+          </p:spPr>
+          <p:txBody>
+            <a:bodyPr wrap="square" rtlCol="0">
+              <a:spAutoFit/>
+            </a:bodyPr>
+            <a:lstStyle/>
+            <a:p>
+              <a:r>
+                <a:rPr kumimoji="1" lang="en-US" altLang="ko-KR" sz="2000" spc="300" dirty="0">
+                  <a:solidFill>
+                    <a:schemeClr val="bg1"/>
+                  </a:solidFill>
+                  <a:latin typeface="Partial Sans KR" pitchFamily="2" charset="0"/>
+                  <a:ea typeface="Partial Sans KR" pitchFamily="2" charset="0"/>
+                </a:rPr>
+                <a:t>WELBING LIFE WITH EVERY WORK OUT</a:t>
+              </a:r>
+              <a:endParaRPr kumimoji="1" lang="ko-KR" altLang="en-US" sz="2000" spc="300" dirty="0">
+                <a:solidFill>
+                  <a:schemeClr val="bg1"/>
+                </a:solidFill>
+                <a:latin typeface="Partial Sans KR" pitchFamily="2" charset="0"/>
+                <a:ea typeface="Partial Sans KR" pitchFamily="2" charset="0"/>
+              </a:endParaRPr>
+            </a:p>
+          </p:txBody>
+        </p:sp>
+        <p:sp>
+          <p:nvSpPr>
+            <p:cNvPr id="7" name="TextBox 6">
+              <a:extLst>
+                <a:ext uri="{FF2B5EF4-FFF2-40B4-BE49-F238E27FC236}">
+                  <a16:creationId xmlns:a16="http://schemas.microsoft.com/office/drawing/2014/main" id="{B5207F7D-7EBD-3FCD-0FD5-D4A27CC4ED46}"/>
+                </a:ext>
+              </a:extLst>
+            </p:cNvPr>
+            <p:cNvSpPr txBox="1"/>
+            <p:nvPr/>
+          </p:nvSpPr>
+          <p:spPr>
+            <a:xfrm>
+              <a:off x="3240816" y="3774688"/>
+              <a:ext cx="7561857" cy="984885"/>
+            </a:xfrm>
+            <a:prstGeom prst="rect">
+              <a:avLst/>
+            </a:prstGeom>
+            <a:noFill/>
+          </p:spPr>
+          <p:txBody>
+            <a:bodyPr vert="horz" wrap="square" rtlCol="0">
+              <a:spAutoFit/>
+            </a:bodyPr>
+            <a:lstStyle/>
+            <a:p>
+              <a:r>
+                <a:rPr kumimoji="1" lang="en-US" altLang="ko-KR" sz="5700" spc="300" normalizeH="1" dirty="0">
+                  <a:latin typeface="Partial Sans KR" pitchFamily="2" charset="0"/>
+                  <a:ea typeface="Partial Sans KR" pitchFamily="2" charset="0"/>
+                </a:rPr>
+                <a:t>HEALTH CARE</a:t>
+              </a:r>
+              <a:endParaRPr kumimoji="1" lang="ko-KR" altLang="en-US" sz="5800" spc="300" normalizeH="1" dirty="0">
+                <a:latin typeface="Partial Sans KR" pitchFamily="2" charset="0"/>
+                <a:ea typeface="Partial Sans KR" pitchFamily="2" charset="0"/>
+              </a:endParaRPr>
+            </a:p>
+          </p:txBody>
+        </p:sp>
+        <p:sp>
+          <p:nvSpPr>
+            <p:cNvPr id="8" name="TextBox 7">
+              <a:extLst>
+                <a:ext uri="{FF2B5EF4-FFF2-40B4-BE49-F238E27FC236}">
+                  <a16:creationId xmlns:a16="http://schemas.microsoft.com/office/drawing/2014/main" id="{CE36D667-4073-5941-BA3F-AA77D05A0CE5}"/>
+                </a:ext>
+              </a:extLst>
+            </p:cNvPr>
+            <p:cNvSpPr txBox="1"/>
+            <p:nvPr/>
+          </p:nvSpPr>
+          <p:spPr>
+            <a:xfrm>
+              <a:off x="3205377" y="2896276"/>
+              <a:ext cx="7561857" cy="969496"/>
+            </a:xfrm>
+            <a:prstGeom prst="rect">
+              <a:avLst/>
+            </a:prstGeom>
+            <a:noFill/>
+          </p:spPr>
+          <p:txBody>
+            <a:bodyPr vert="horz" wrap="square" rtlCol="0">
+              <a:spAutoFit/>
+            </a:bodyPr>
+            <a:lstStyle/>
+            <a:p>
+              <a:r>
+                <a:rPr kumimoji="1" lang="en-US" altLang="ko-KR" sz="5700" spc="300" normalizeH="1" dirty="0">
+                  <a:latin typeface="Partial Sans KR" pitchFamily="2" charset="0"/>
+                  <a:ea typeface="Partial Sans KR" pitchFamily="2" charset="0"/>
+                </a:rPr>
+                <a:t>3WORK : WWW</a:t>
+              </a:r>
+              <a:endParaRPr kumimoji="1" lang="ko-KR" altLang="en-US" sz="5700" spc="300" normalizeH="1" dirty="0">
+                <a:latin typeface="Partial Sans KR" pitchFamily="2" charset="0"/>
+                <a:ea typeface="Partial Sans KR" pitchFamily="2" charset="0"/>
+              </a:endParaRPr>
+            </a:p>
+          </p:txBody>
+        </p:sp>
+      </p:grpSp>
+      <p:grpSp>
+        <p:nvGrpSpPr>
+          <p:cNvPr id="6" name="그룹 5">
+            <a:extLst>
+              <a:ext uri="{FF2B5EF4-FFF2-40B4-BE49-F238E27FC236}">
+                <a16:creationId xmlns:a16="http://schemas.microsoft.com/office/drawing/2014/main" id="{1ECB4575-4DB9-BE25-634D-C571ACD7B73B}"/>
+              </a:ext>
+            </a:extLst>
+          </p:cNvPr>
+          <p:cNvGrpSpPr/>
+          <p:nvPr/>
+        </p:nvGrpSpPr>
+        <p:grpSpPr>
+          <a:xfrm>
+            <a:off x="1694121" y="2207380"/>
+            <a:ext cx="10497879" cy="4220883"/>
+            <a:chOff x="715924" y="1063892"/>
+            <a:chExt cx="10497879" cy="4220883"/>
+          </a:xfrm>
+        </p:grpSpPr>
+        <p:sp>
+          <p:nvSpPr>
+            <p:cNvPr id="9" name="직사각형 8">
+              <a:extLst>
+                <a:ext uri="{FF2B5EF4-FFF2-40B4-BE49-F238E27FC236}">
+                  <a16:creationId xmlns:a16="http://schemas.microsoft.com/office/drawing/2014/main" id="{1D054238-D703-6ADC-3031-A95F4308D761}"/>
+                </a:ext>
+              </a:extLst>
+            </p:cNvPr>
+            <p:cNvSpPr/>
+            <p:nvPr/>
+          </p:nvSpPr>
+          <p:spPr>
+            <a:xfrm>
+              <a:off x="1969579" y="2725478"/>
+              <a:ext cx="8797655" cy="2547809"/>
+            </a:xfrm>
+            <a:prstGeom prst="rect">
+              <a:avLst/>
+            </a:prstGeom>
+            <a:solidFill>
+              <a:schemeClr val="bg1"/>
+            </a:solidFill>
+            <a:ln w="28575">
+              <a:solidFill>
+                <a:schemeClr val="tx1"/>
+              </a:solidFill>
+            </a:ln>
+          </p:spPr>
+          <p:style>
+            <a:lnRef idx="2">
+              <a:schemeClr val="accent1">
+                <a:shade val="15000"/>
+              </a:schemeClr>
+            </a:lnRef>
+            <a:fillRef idx="1">
+              <a:schemeClr val="accent1"/>
+            </a:fillRef>
+            <a:effectRef idx="0">
+              <a:schemeClr val="accent1"/>
+            </a:effectRef>
+            <a:fontRef idx="minor">
+              <a:schemeClr val="lt1"/>
+            </a:fontRef>
+          </p:style>
+          <p:txBody>
+            <a:bodyPr rtlCol="0" anchor="ctr"/>
+            <a:lstStyle/>
+            <a:p>
+              <a:pPr algn="ctr"/>
+              <a:endParaRPr kumimoji="1" lang="ko-KR" altLang="en-US" dirty="0"/>
+            </a:p>
+          </p:txBody>
+        </p:sp>
+        <p:sp>
+          <p:nvSpPr>
+            <p:cNvPr id="10" name="직사각형 9">
+              <a:extLst>
+                <a:ext uri="{FF2B5EF4-FFF2-40B4-BE49-F238E27FC236}">
+                  <a16:creationId xmlns:a16="http://schemas.microsoft.com/office/drawing/2014/main" id="{335C3C3E-0D13-8D8E-A0E3-7DBDBFA2E72C}"/>
+                </a:ext>
+              </a:extLst>
+            </p:cNvPr>
+            <p:cNvSpPr/>
+            <p:nvPr/>
+          </p:nvSpPr>
+          <p:spPr>
+            <a:xfrm>
+              <a:off x="1969581" y="4823110"/>
+              <a:ext cx="8797655" cy="461665"/>
+            </a:xfrm>
+            <a:prstGeom prst="rect">
+              <a:avLst/>
+            </a:prstGeom>
+          </p:spPr>
+          <p:style>
+            <a:lnRef idx="2">
+              <a:schemeClr val="dk1">
+                <a:shade val="15000"/>
+              </a:schemeClr>
+            </a:lnRef>
+            <a:fillRef idx="1">
+              <a:schemeClr val="dk1"/>
+            </a:fillRef>
+            <a:effectRef idx="0">
+              <a:schemeClr val="dk1"/>
+            </a:effectRef>
+            <a:fontRef idx="minor">
+              <a:schemeClr val="lt1"/>
+            </a:fontRef>
+          </p:style>
+          <p:txBody>
+            <a:bodyPr rtlCol="0" anchor="ctr"/>
+            <a:lstStyle/>
+            <a:p>
+              <a:pPr algn="ctr"/>
+              <a:endParaRPr kumimoji="1" lang="ko-KR" altLang="en-US" dirty="0"/>
+            </a:p>
+          </p:txBody>
+        </p:sp>
+        <p:sp>
+          <p:nvSpPr>
+            <p:cNvPr id="11" name="TextBox 10">
+              <a:extLst>
+                <a:ext uri="{FF2B5EF4-FFF2-40B4-BE49-F238E27FC236}">
+                  <a16:creationId xmlns:a16="http://schemas.microsoft.com/office/drawing/2014/main" id="{4C0E3D76-3F6E-A4D0-2CC2-9BF5F6F30EC7}"/>
+                </a:ext>
+              </a:extLst>
+            </p:cNvPr>
+            <p:cNvSpPr txBox="1"/>
+            <p:nvPr/>
+          </p:nvSpPr>
+          <p:spPr>
+            <a:xfrm>
+              <a:off x="1969580" y="4811623"/>
+              <a:ext cx="9244223" cy="461665"/>
+            </a:xfrm>
+            <a:prstGeom prst="rect">
+              <a:avLst/>
+            </a:prstGeom>
+            <a:noFill/>
+          </p:spPr>
+          <p:txBody>
+            <a:bodyPr wrap="square" rtlCol="0">
+              <a:spAutoFit/>
+            </a:bodyPr>
+            <a:lstStyle/>
+            <a:p>
+              <a:r>
+                <a:rPr kumimoji="1" lang="en-US" altLang="ko-KR" sz="2400" spc="300" dirty="0">
+                  <a:solidFill>
+                    <a:schemeClr val="bg1"/>
+                  </a:solidFill>
+                  <a:latin typeface="Partial Sans KR" pitchFamily="2" charset="0"/>
+                  <a:ea typeface="Partial Sans KR" pitchFamily="2" charset="0"/>
+                </a:rPr>
+                <a:t>WELBING LIFE WITH EVERY WORK OUT</a:t>
+              </a:r>
+              <a:endParaRPr kumimoji="1" lang="ko-KR" altLang="en-US" sz="2400" spc="300" dirty="0">
+                <a:solidFill>
+                  <a:schemeClr val="bg1"/>
+                </a:solidFill>
+                <a:latin typeface="Partial Sans KR" pitchFamily="2" charset="0"/>
+                <a:ea typeface="Partial Sans KR" pitchFamily="2" charset="0"/>
+              </a:endParaRPr>
+            </a:p>
+          </p:txBody>
+        </p:sp>
+        <p:pic>
+          <p:nvPicPr>
+            <p:cNvPr id="12" name="그림 11">
+              <a:extLst>
+                <a:ext uri="{FF2B5EF4-FFF2-40B4-BE49-F238E27FC236}">
+                  <a16:creationId xmlns:a16="http://schemas.microsoft.com/office/drawing/2014/main" id="{99375A5D-08A6-7890-9C74-BDC771338122}"/>
+                </a:ext>
+              </a:extLst>
+            </p:cNvPr>
+            <p:cNvPicPr>
+              <a:picLocks noChangeAspect="1"/>
+            </p:cNvPicPr>
+            <p:nvPr/>
+          </p:nvPicPr>
+          <p:blipFill>
+            <a:blip r:embed="rId2"/>
+            <a:stretch>
+              <a:fillRect/>
+            </a:stretch>
+          </p:blipFill>
+          <p:spPr>
+            <a:xfrm>
+              <a:off x="715924" y="1063892"/>
+              <a:ext cx="3050082" cy="4075108"/>
+            </a:xfrm>
+            <a:prstGeom prst="rect">
+              <a:avLst/>
+            </a:prstGeom>
+          </p:spPr>
+        </p:pic>
+        <p:sp>
+          <p:nvSpPr>
+            <p:cNvPr id="13" name="TextBox 12">
+              <a:extLst>
+                <a:ext uri="{FF2B5EF4-FFF2-40B4-BE49-F238E27FC236}">
+                  <a16:creationId xmlns:a16="http://schemas.microsoft.com/office/drawing/2014/main" id="{5F685AA7-709E-916B-7370-B0F5C17B4494}"/>
+                </a:ext>
+              </a:extLst>
+            </p:cNvPr>
+            <p:cNvSpPr txBox="1"/>
+            <p:nvPr/>
+          </p:nvSpPr>
+          <p:spPr>
+            <a:xfrm>
+              <a:off x="3240816" y="3774688"/>
+              <a:ext cx="7561857" cy="1015663"/>
+            </a:xfrm>
+            <a:prstGeom prst="rect">
+              <a:avLst/>
+            </a:prstGeom>
+            <a:noFill/>
+          </p:spPr>
+          <p:txBody>
+            <a:bodyPr vert="horz" wrap="square" rtlCol="0">
+              <a:spAutoFit/>
+            </a:bodyPr>
+            <a:lstStyle/>
+            <a:p>
+              <a:r>
+                <a:rPr kumimoji="1" lang="en-US" altLang="ko-KR" sz="5700" spc="300" normalizeH="1" dirty="0">
+                  <a:latin typeface="Partial Sans KR" pitchFamily="2" charset="0"/>
+                  <a:ea typeface="Partial Sans KR" pitchFamily="2" charset="0"/>
+                </a:rPr>
+                <a:t>3WORK</a:t>
+              </a:r>
+              <a:r>
+                <a:rPr kumimoji="1" lang="en-US" altLang="ko-KR" sz="5800" spc="300" normalizeH="1" dirty="0">
+                  <a:latin typeface="Partial Sans KR" pitchFamily="2" charset="0"/>
+                  <a:ea typeface="Partial Sans KR" pitchFamily="2" charset="0"/>
+                </a:rPr>
+                <a:t> : WWW</a:t>
+              </a:r>
+              <a:endParaRPr kumimoji="1" lang="ko-KR" altLang="en-US" sz="5800" spc="300" normalizeH="1" dirty="0">
+                <a:latin typeface="Partial Sans KR" pitchFamily="2" charset="0"/>
+                <a:ea typeface="Partial Sans KR" pitchFamily="2" charset="0"/>
+              </a:endParaRPr>
+            </a:p>
+          </p:txBody>
+        </p:sp>
+        <p:sp>
+          <p:nvSpPr>
+            <p:cNvPr id="14" name="TextBox 13">
+              <a:extLst>
+                <a:ext uri="{FF2B5EF4-FFF2-40B4-BE49-F238E27FC236}">
+                  <a16:creationId xmlns:a16="http://schemas.microsoft.com/office/drawing/2014/main" id="{38528E5F-CB0F-8E1D-90AD-FA47A88ED393}"/>
+                </a:ext>
+              </a:extLst>
+            </p:cNvPr>
+            <p:cNvSpPr txBox="1"/>
+            <p:nvPr/>
+          </p:nvSpPr>
+          <p:spPr>
+            <a:xfrm>
+              <a:off x="3240816" y="2891926"/>
+              <a:ext cx="7561857" cy="969496"/>
+            </a:xfrm>
+            <a:prstGeom prst="rect">
+              <a:avLst/>
+            </a:prstGeom>
+            <a:noFill/>
+          </p:spPr>
+          <p:txBody>
+            <a:bodyPr vert="horz" wrap="square" rtlCol="0">
+              <a:spAutoFit/>
+            </a:bodyPr>
+            <a:lstStyle/>
+            <a:p>
+              <a:r>
+                <a:rPr kumimoji="1" lang="en-US" altLang="ko-KR" sz="5700" spc="300" normalizeH="1" dirty="0">
+                  <a:latin typeface="Partial Sans KR" pitchFamily="2" charset="0"/>
+                  <a:ea typeface="Partial Sans KR" pitchFamily="2" charset="0"/>
+                </a:rPr>
+                <a:t>3WORK : WWW</a:t>
+              </a:r>
+              <a:endParaRPr kumimoji="1" lang="ko-KR" altLang="en-US" sz="5700" spc="300" normalizeH="1" dirty="0">
+                <a:latin typeface="Partial Sans KR" pitchFamily="2" charset="0"/>
+                <a:ea typeface="Partial Sans KR" pitchFamily="2" charset="0"/>
+              </a:endParaRPr>
+            </a:p>
+          </p:txBody>
+        </p:sp>
+      </p:grpSp>
+    </p:spTree>
+    <p:extLst>
+      <p:ext uri="{BB962C8B-B14F-4D97-AF65-F5344CB8AC3E}">
+        <p14:creationId xmlns:p14="http://schemas.microsoft.com/office/powerpoint/2010/main" val="241495801"/>
+      </p:ext>
+    </p:extLst>
+  </p:cSld>
+  <p:clrMapOvr>
+    <a:masterClrMapping/>
+  </p:clrMapOvr>
+</p:sld>
+</file>
+
+<file path=ppt/slides/slide3.xml><?xml version="1.0" encoding="utf-8"?>
+<p:sld xmlns:a="http://schemas.openxmlformats.org/drawingml/2006/main" xmlns:r="http://schemas.openxmlformats.org/officeDocument/2006/relationships" xmlns:p="http://schemas.openxmlformats.org/presentationml/2006/main">
+  <p:cSld>
+    <p:spTree>
+      <p:nvGrpSpPr>
+        <p:cNvPr id="1" name=""/>
+        <p:cNvGrpSpPr/>
+        <p:nvPr/>
+      </p:nvGrpSpPr>
+      <p:grpSpPr>
+        <a:xfrm>
+          <a:off x="0" y="0"/>
+          <a:ext cx="0" cy="0"/>
+          <a:chOff x="0" y="0"/>
+          <a:chExt cx="0" cy="0"/>
+        </a:xfrm>
+      </p:grpSpPr>
+      <p:sp>
+        <p:nvSpPr>
+          <p:cNvPr id="6" name="TextBox 5">
+            <a:extLst>
+              <a:ext uri="{FF2B5EF4-FFF2-40B4-BE49-F238E27FC236}">
+                <a16:creationId xmlns:a16="http://schemas.microsoft.com/office/drawing/2014/main" id="{53727BC9-DC7E-7166-CBA7-98E695AA190C}"/>
+              </a:ext>
+            </a:extLst>
+          </p:cNvPr>
+          <p:cNvSpPr txBox="1"/>
+          <p:nvPr/>
+        </p:nvSpPr>
+        <p:spPr>
+          <a:xfrm>
+            <a:off x="4214649" y="3136612"/>
+            <a:ext cx="4361793" cy="584775"/>
+          </a:xfrm>
+          <a:prstGeom prst="rect">
+            <a:avLst/>
+          </a:prstGeom>
+          <a:noFill/>
+        </p:spPr>
+        <p:txBody>
+          <a:bodyPr wrap="square" rtlCol="0">
+            <a:spAutoFit/>
+          </a:bodyPr>
+          <a:lstStyle/>
+          <a:p>
+            <a:r>
+              <a:rPr kumimoji="1" lang="ko-KR" altLang="en-US" sz="3200" dirty="0">
+                <a:latin typeface="NanumSquareRoundOTF Regular" panose="020B0600000101010101" pitchFamily="34" charset="-127"/>
+                <a:ea typeface="NanumSquareRoundOTF Regular" panose="020B0600000101010101" pitchFamily="34" charset="-127"/>
+              </a:rPr>
+              <a:t>콘텐츠 </a:t>
+            </a:r>
+            <a:r>
+              <a:rPr kumimoji="1" lang="ko-KR" altLang="en-US" sz="3200" dirty="0">
+                <a:solidFill>
+                  <a:srgbClr val="FF0000"/>
+                </a:solidFill>
+                <a:latin typeface="NanumSquareRoundOTF Regular" panose="020B0600000101010101" pitchFamily="34" charset="-127"/>
+                <a:ea typeface="NanumSquareRoundOTF Regular" panose="020B0600000101010101" pitchFamily="34" charset="-127"/>
+              </a:rPr>
+              <a:t>준비 중입니다</a:t>
+            </a:r>
+            <a:r>
+              <a:rPr kumimoji="1" lang="en-US" altLang="ko-KR" sz="3200" dirty="0">
+                <a:solidFill>
+                  <a:srgbClr val="FF0000"/>
+                </a:solidFill>
+                <a:latin typeface="NanumSquareRoundOTF Regular" panose="020B0600000101010101" pitchFamily="34" charset="-127"/>
+                <a:ea typeface="NanumSquareRoundOTF Regular" panose="020B0600000101010101" pitchFamily="34" charset="-127"/>
+              </a:rPr>
+              <a:t>.</a:t>
+            </a:r>
+            <a:endParaRPr kumimoji="1" lang="ko-KR" altLang="en-US" sz="3200" dirty="0">
+              <a:solidFill>
+                <a:srgbClr val="FF0000"/>
+              </a:solidFill>
+              <a:latin typeface="NanumSquareRoundOTF Regular" panose="020B0600000101010101" pitchFamily="34" charset="-127"/>
+              <a:ea typeface="NanumSquareRoundOTF Regular" panose="020B0600000101010101" pitchFamily="34" charset="-127"/>
+            </a:endParaRPr>
+          </a:p>
+        </p:txBody>
+      </p:sp>
+      <p:sp>
+        <p:nvSpPr>
+          <p:cNvPr id="7" name="TextBox 6">
+            <a:extLst>
+              <a:ext uri="{FF2B5EF4-FFF2-40B4-BE49-F238E27FC236}">
+                <a16:creationId xmlns:a16="http://schemas.microsoft.com/office/drawing/2014/main" id="{7E49EC1A-AB49-8EAE-3091-1B3297BC8124}"/>
+              </a:ext>
+            </a:extLst>
+          </p:cNvPr>
+          <p:cNvSpPr txBox="1"/>
+          <p:nvPr/>
+        </p:nvSpPr>
+        <p:spPr>
+          <a:xfrm>
+            <a:off x="3005956" y="4156842"/>
+            <a:ext cx="6180083" cy="738664"/>
+          </a:xfrm>
+          <a:prstGeom prst="rect">
+            <a:avLst/>
+          </a:prstGeom>
+          <a:noFill/>
+        </p:spPr>
+        <p:txBody>
+          <a:bodyPr wrap="square" rtlCol="0">
+            <a:spAutoFit/>
+          </a:bodyPr>
+          <a:lstStyle/>
+          <a:p>
+            <a:pPr algn="ctr"/>
+            <a:r>
+              <a:rPr kumimoji="1" lang="ko-KR" altLang="en-US" sz="1400" dirty="0">
+                <a:solidFill>
+                  <a:schemeClr val="accent3">
+                    <a:lumMod val="60000"/>
+                    <a:lumOff val="40000"/>
+                  </a:schemeClr>
+                </a:solidFill>
+                <a:latin typeface="NanumSquareRoundOTF Regular" panose="020B0600000101010101" pitchFamily="34" charset="-127"/>
+                <a:ea typeface="NanumSquareRoundOTF Regular" panose="020B0600000101010101" pitchFamily="34" charset="-127"/>
+              </a:rPr>
+              <a:t>콘텐츠 내용이 준비가 되지 않았습니다</a:t>
+            </a:r>
+            <a:r>
+              <a:rPr kumimoji="1" lang="en-US" altLang="ko-KR" sz="1400" dirty="0">
+                <a:solidFill>
+                  <a:schemeClr val="accent3">
+                    <a:lumMod val="60000"/>
+                    <a:lumOff val="40000"/>
+                  </a:schemeClr>
+                </a:solidFill>
+                <a:latin typeface="NanumSquareRoundOTF Regular" panose="020B0600000101010101" pitchFamily="34" charset="-127"/>
+                <a:ea typeface="NanumSquareRoundOTF Regular" panose="020B0600000101010101" pitchFamily="34" charset="-127"/>
+              </a:rPr>
+              <a:t>.</a:t>
+            </a:r>
+            <a:br>
+              <a:rPr kumimoji="1" lang="en-US" altLang="ko-KR" sz="1400" dirty="0">
+                <a:solidFill>
+                  <a:schemeClr val="accent3">
+                    <a:lumMod val="60000"/>
+                    <a:lumOff val="40000"/>
+                  </a:schemeClr>
+                </a:solidFill>
+                <a:latin typeface="NanumSquareRoundOTF Regular" panose="020B0600000101010101" pitchFamily="34" charset="-127"/>
+                <a:ea typeface="NanumSquareRoundOTF Regular" panose="020B0600000101010101" pitchFamily="34" charset="-127"/>
+              </a:rPr>
+            </a:br>
+            <a:r>
+              <a:rPr kumimoji="1" lang="ko-KR" altLang="en-US" sz="1400" dirty="0">
+                <a:solidFill>
+                  <a:schemeClr val="accent3">
+                    <a:lumMod val="60000"/>
+                    <a:lumOff val="40000"/>
+                  </a:schemeClr>
+                </a:solidFill>
+                <a:latin typeface="NanumSquareRoundOTF Regular" panose="020B0600000101010101" pitchFamily="34" charset="-127"/>
+                <a:ea typeface="NanumSquareRoundOTF Regular" panose="020B0600000101010101" pitchFamily="34" charset="-127"/>
+              </a:rPr>
+              <a:t>가능한 빠른 시일 내에 업데이트되도록 하겠습니다</a:t>
+            </a:r>
+            <a:r>
+              <a:rPr kumimoji="1" lang="en-US" altLang="ko-KR" sz="1400" dirty="0">
+                <a:solidFill>
+                  <a:schemeClr val="accent3">
+                    <a:lumMod val="60000"/>
+                    <a:lumOff val="40000"/>
+                  </a:schemeClr>
+                </a:solidFill>
+                <a:latin typeface="NanumSquareRoundOTF Regular" panose="020B0600000101010101" pitchFamily="34" charset="-127"/>
+                <a:ea typeface="NanumSquareRoundOTF Regular" panose="020B0600000101010101" pitchFamily="34" charset="-127"/>
+              </a:rPr>
+              <a:t>.</a:t>
+            </a:r>
+            <a:br>
+              <a:rPr kumimoji="1" lang="en-US" altLang="ko-KR" sz="1400" dirty="0">
+                <a:solidFill>
+                  <a:schemeClr val="accent3">
+                    <a:lumMod val="60000"/>
+                    <a:lumOff val="40000"/>
+                  </a:schemeClr>
+                </a:solidFill>
+                <a:latin typeface="NanumSquareRoundOTF Regular" panose="020B0600000101010101" pitchFamily="34" charset="-127"/>
+                <a:ea typeface="NanumSquareRoundOTF Regular" panose="020B0600000101010101" pitchFamily="34" charset="-127"/>
+              </a:rPr>
+            </a:br>
+            <a:r>
+              <a:rPr kumimoji="1" lang="ko-KR" altLang="en-US" sz="1400" dirty="0">
+                <a:solidFill>
+                  <a:schemeClr val="accent3">
+                    <a:lumMod val="60000"/>
+                    <a:lumOff val="40000"/>
+                  </a:schemeClr>
+                </a:solidFill>
+                <a:latin typeface="NanumSquareRoundOTF Regular" panose="020B0600000101010101" pitchFamily="34" charset="-127"/>
+                <a:ea typeface="NanumSquareRoundOTF Regular" panose="020B0600000101010101" pitchFamily="34" charset="-127"/>
+              </a:rPr>
+              <a:t>감사합니다</a:t>
+            </a:r>
+            <a:r>
+              <a:rPr kumimoji="1" lang="en-US" altLang="ko-KR" sz="1400" dirty="0">
+                <a:solidFill>
+                  <a:schemeClr val="accent3">
+                    <a:lumMod val="60000"/>
+                    <a:lumOff val="40000"/>
+                  </a:schemeClr>
+                </a:solidFill>
+                <a:latin typeface="NanumSquareRoundOTF Regular" panose="020B0600000101010101" pitchFamily="34" charset="-127"/>
+                <a:ea typeface="NanumSquareRoundOTF Regular" panose="020B0600000101010101" pitchFamily="34" charset="-127"/>
+              </a:rPr>
+              <a:t>.</a:t>
+            </a:r>
+            <a:endParaRPr kumimoji="1" lang="ko-KR" altLang="en-US" sz="1400" dirty="0">
+              <a:solidFill>
+                <a:schemeClr val="accent3">
+                  <a:lumMod val="60000"/>
+                  <a:lumOff val="40000"/>
+                </a:schemeClr>
+              </a:solidFill>
+              <a:latin typeface="NanumSquareRoundOTF Regular" panose="020B0600000101010101" pitchFamily="34" charset="-127"/>
+              <a:ea typeface="NanumSquareRoundOTF Regular" panose="020B0600000101010101" pitchFamily="34" charset="-127"/>
+            </a:endParaRPr>
+          </a:p>
+        </p:txBody>
+      </p:sp>
+      <p:pic>
+        <p:nvPicPr>
+          <p:cNvPr id="9" name="그림 8" descr="상징, 그래픽, 레드, 폰트이(가) 표시된 사진&#10;&#10;자동 생성된 설명">
+            <a:extLst>
+              <a:ext uri="{FF2B5EF4-FFF2-40B4-BE49-F238E27FC236}">
+                <a16:creationId xmlns:a16="http://schemas.microsoft.com/office/drawing/2014/main" id="{E5832D09-191E-9079-AAA5-B45F2ADB71AA}"/>
+              </a:ext>
+            </a:extLst>
+          </p:cNvPr>
+          <p:cNvPicPr>
+            <a:picLocks noChangeAspect="1"/>
+          </p:cNvPicPr>
+          <p:nvPr/>
+        </p:nvPicPr>
+        <p:blipFill>
+          <a:blip r:embed="rId3"/>
+          <a:stretch>
+            <a:fillRect/>
+          </a:stretch>
+        </p:blipFill>
+        <p:spPr>
+          <a:xfrm>
+            <a:off x="5680838" y="1870840"/>
+            <a:ext cx="830317" cy="830317"/>
+          </a:xfrm>
+          <a:prstGeom prst="rect">
+            <a:avLst/>
+          </a:prstGeom>
+        </p:spPr>
+      </p:pic>
+    </p:spTree>
+    <p:extLst>
+      <p:ext uri="{BB962C8B-B14F-4D97-AF65-F5344CB8AC3E}">
+        <p14:creationId xmlns:p14="http://schemas.microsoft.com/office/powerpoint/2010/main" val="1331901858"/>
       </p:ext>
     </p:extLst>
   </p:cSld>
